--- a/평균, 분산 임용고시 2008.pptx
+++ b/평균, 분산 임용고시 2008.pptx
@@ -8,9 +8,10 @@
     <p:sldId id="256" r:id="rId2"/>
     <p:sldId id="259" r:id="rId3"/>
     <p:sldId id="257" r:id="rId4"/>
-    <p:sldId id="267" r:id="rId5"/>
-    <p:sldId id="268" r:id="rId6"/>
-    <p:sldId id="269" r:id="rId7"/>
+    <p:sldId id="272" r:id="rId5"/>
+    <p:sldId id="273" r:id="rId6"/>
+    <p:sldId id="274" r:id="rId7"/>
+    <p:sldId id="275" r:id="rId8"/>
   </p:sldIdLst>
   <p:sldSz cx="12192000" cy="6858000"/>
   <p:notesSz cx="6858000" cy="9144000"/>
@@ -248,7 +249,7 @@
           <a:p>
             <a:fld id="{5B3AD1D6-AE87-C841-B3FD-7C9F7FCAE5AE}" type="datetimeFigureOut">
               <a:rPr lang="en-US" smtClean="0"/>
-              <a:t>12/15/19</a:t>
+              <a:t>12/17/19</a:t>
             </a:fld>
             <a:endParaRPr lang="en-US"/>
           </a:p>
@@ -418,7 +419,7 @@
           <a:p>
             <a:fld id="{5B3AD1D6-AE87-C841-B3FD-7C9F7FCAE5AE}" type="datetimeFigureOut">
               <a:rPr lang="en-US" smtClean="0"/>
-              <a:t>12/15/19</a:t>
+              <a:t>12/17/19</a:t>
             </a:fld>
             <a:endParaRPr lang="en-US"/>
           </a:p>
@@ -598,7 +599,7 @@
           <a:p>
             <a:fld id="{5B3AD1D6-AE87-C841-B3FD-7C9F7FCAE5AE}" type="datetimeFigureOut">
               <a:rPr lang="en-US" smtClean="0"/>
-              <a:t>12/15/19</a:t>
+              <a:t>12/17/19</a:t>
             </a:fld>
             <a:endParaRPr lang="en-US"/>
           </a:p>
@@ -768,7 +769,7 @@
           <a:p>
             <a:fld id="{5B3AD1D6-AE87-C841-B3FD-7C9F7FCAE5AE}" type="datetimeFigureOut">
               <a:rPr lang="en-US" smtClean="0"/>
-              <a:t>12/15/19</a:t>
+              <a:t>12/17/19</a:t>
             </a:fld>
             <a:endParaRPr lang="en-US"/>
           </a:p>
@@ -1014,7 +1015,7 @@
           <a:p>
             <a:fld id="{5B3AD1D6-AE87-C841-B3FD-7C9F7FCAE5AE}" type="datetimeFigureOut">
               <a:rPr lang="en-US" smtClean="0"/>
-              <a:t>12/15/19</a:t>
+              <a:t>12/17/19</a:t>
             </a:fld>
             <a:endParaRPr lang="en-US"/>
           </a:p>
@@ -1246,7 +1247,7 @@
           <a:p>
             <a:fld id="{5B3AD1D6-AE87-C841-B3FD-7C9F7FCAE5AE}" type="datetimeFigureOut">
               <a:rPr lang="en-US" smtClean="0"/>
-              <a:t>12/15/19</a:t>
+              <a:t>12/17/19</a:t>
             </a:fld>
             <a:endParaRPr lang="en-US"/>
           </a:p>
@@ -1613,7 +1614,7 @@
           <a:p>
             <a:fld id="{5B3AD1D6-AE87-C841-B3FD-7C9F7FCAE5AE}" type="datetimeFigureOut">
               <a:rPr lang="en-US" smtClean="0"/>
-              <a:t>12/15/19</a:t>
+              <a:t>12/17/19</a:t>
             </a:fld>
             <a:endParaRPr lang="en-US"/>
           </a:p>
@@ -1731,7 +1732,7 @@
           <a:p>
             <a:fld id="{5B3AD1D6-AE87-C841-B3FD-7C9F7FCAE5AE}" type="datetimeFigureOut">
               <a:rPr lang="en-US" smtClean="0"/>
-              <a:t>12/15/19</a:t>
+              <a:t>12/17/19</a:t>
             </a:fld>
             <a:endParaRPr lang="en-US"/>
           </a:p>
@@ -1826,7 +1827,7 @@
           <a:p>
             <a:fld id="{5B3AD1D6-AE87-C841-B3FD-7C9F7FCAE5AE}" type="datetimeFigureOut">
               <a:rPr lang="en-US" smtClean="0"/>
-              <a:t>12/15/19</a:t>
+              <a:t>12/17/19</a:t>
             </a:fld>
             <a:endParaRPr lang="en-US"/>
           </a:p>
@@ -2103,7 +2104,7 @@
           <a:p>
             <a:fld id="{5B3AD1D6-AE87-C841-B3FD-7C9F7FCAE5AE}" type="datetimeFigureOut">
               <a:rPr lang="en-US" smtClean="0"/>
-              <a:t>12/15/19</a:t>
+              <a:t>12/17/19</a:t>
             </a:fld>
             <a:endParaRPr lang="en-US"/>
           </a:p>
@@ -2356,7 +2357,7 @@
           <a:p>
             <a:fld id="{5B3AD1D6-AE87-C841-B3FD-7C9F7FCAE5AE}" type="datetimeFigureOut">
               <a:rPr lang="en-US" smtClean="0"/>
-              <a:t>12/15/19</a:t>
+              <a:t>12/17/19</a:t>
             </a:fld>
             <a:endParaRPr lang="en-US"/>
           </a:p>
@@ -2569,7 +2570,7 @@
           <a:p>
             <a:fld id="{5B3AD1D6-AE87-C841-B3FD-7C9F7FCAE5AE}" type="datetimeFigureOut">
               <a:rPr lang="en-US" smtClean="0"/>
-              <a:t>12/15/19</a:t>
+              <a:t>12/17/19</a:t>
             </a:fld>
             <a:endParaRPr lang="en-US"/>
           </a:p>
@@ -3212,7 +3213,7 @@
                 <a:ea typeface="Arial Black" charset="0"/>
                 <a:cs typeface="Arial Black" charset="0"/>
               </a:rPr>
-              <a:t/>
+              <a:t>2008</a:t>
             </a:r>
             <a:br>
               <a:rPr lang="en-US" sz="6700" dirty="0" smtClean="0">
@@ -3265,6 +3266,13 @@
   <p:clrMapOvr>
     <a:masterClrMapping/>
   </p:clrMapOvr>
+  <p:timing>
+    <p:tnLst>
+      <p:par>
+        <p:cTn id="1" dur="indefinite" restart="never" nodeType="tmRoot"/>
+      </p:par>
+    </p:tnLst>
+  </p:timing>
 </p:sld>
 </file>
 
@@ -3470,15 +3478,7 @@
                 <a:ea typeface="Arial Black" charset="0"/>
                 <a:cs typeface="Arial Black" charset="0"/>
               </a:rPr>
-              <a:t>[</a:t>
-            </a:r>
-            <a:r>
-              <a:rPr lang="en-US" sz="4000" dirty="0" smtClean="0">
-                <a:latin typeface="Arial Black" charset="0"/>
-                <a:ea typeface="Arial Black" charset="0"/>
-                <a:cs typeface="Arial Black" charset="0"/>
-              </a:rPr>
-              <a:t>200</a:t>
+              <a:t>[200</a:t>
             </a:r>
             <a:r>
               <a:rPr lang="en-US" sz="4000" dirty="0">
@@ -3544,6 +3544,13 @@
   <p:clrMapOvr>
     <a:masterClrMapping/>
   </p:clrMapOvr>
+  <p:timing>
+    <p:tnLst>
+      <p:par>
+        <p:cTn id="1" dur="indefinite" restart="never" nodeType="tmRoot"/>
+      </p:par>
+    </p:tnLst>
+  </p:timing>
 </p:sld>
 </file>
 
@@ -3616,8 +3623,8 @@
         </p:blipFill>
         <p:spPr>
           <a:xfrm>
-            <a:off x="1246520" y="533110"/>
-            <a:ext cx="9954880" cy="5745770"/>
+            <a:off x="2755280" y="2864584"/>
+            <a:ext cx="6769720" cy="3591794"/>
           </a:xfrm>
           <a:prstGeom prst="rect">
             <a:avLst/>
@@ -3626,7 +3633,7 @@
       </p:pic>
       <p:pic>
         <p:nvPicPr>
-          <p:cNvPr id="6" name="Picture 5"/>
+          <p:cNvPr id="2" name="Picture 1"/>
           <p:cNvPicPr>
             <a:picLocks noChangeAspect="1"/>
           </p:cNvPicPr>
@@ -3646,8 +3653,38 @@
         </p:blipFill>
         <p:spPr>
           <a:xfrm>
-            <a:off x="598593" y="2762250"/>
-            <a:ext cx="10831407" cy="3516630"/>
+            <a:off x="1809440" y="433504"/>
+            <a:ext cx="8661400" cy="2273300"/>
+          </a:xfrm>
+          <a:prstGeom prst="rect">
+            <a:avLst/>
+          </a:prstGeom>
+        </p:spPr>
+      </p:pic>
+      <p:pic>
+        <p:nvPicPr>
+          <p:cNvPr id="6" name="Picture 5"/>
+          <p:cNvPicPr>
+            <a:picLocks noChangeAspect="1"/>
+          </p:cNvPicPr>
+          <p:nvPr/>
+        </p:nvPicPr>
+        <p:blipFill>
+          <a:blip r:embed="rId5">
+            <a:extLst>
+              <a:ext uri="{28A0092B-C50C-407E-A947-70E740481C1C}">
+                <a14:useLocalDpi xmlns:a14="http://schemas.microsoft.com/office/drawing/2010/main" val="0"/>
+              </a:ext>
+            </a:extLst>
+          </a:blip>
+          <a:stretch>
+            <a:fillRect/>
+          </a:stretch>
+        </p:blipFill>
+        <p:spPr>
+          <a:xfrm>
+            <a:off x="1005840" y="2971800"/>
+            <a:ext cx="10500360" cy="3484578"/>
           </a:xfrm>
           <a:prstGeom prst="rect">
             <a:avLst/>
@@ -3657,13 +3694,20 @@
     </p:spTree>
     <p:extLst>
       <p:ext uri="{BB962C8B-B14F-4D97-AF65-F5344CB8AC3E}">
-        <p14:creationId xmlns:p14="http://schemas.microsoft.com/office/powerpoint/2010/main" val="922750677"/>
+        <p14:creationId xmlns:p14="http://schemas.microsoft.com/office/powerpoint/2010/main" val="358618181"/>
       </p:ext>
     </p:extLst>
   </p:cSld>
   <p:clrMapOvr>
     <a:masterClrMapping/>
   </p:clrMapOvr>
+  <p:timing>
+    <p:tnLst>
+      <p:par>
+        <p:cTn id="1" dur="indefinite" restart="never" nodeType="tmRoot"/>
+      </p:par>
+    </p:tnLst>
+  </p:timing>
 </p:sld>
 </file>
 
@@ -3736,8 +3780,8 @@
         </p:blipFill>
         <p:spPr>
           <a:xfrm>
-            <a:off x="1246520" y="533110"/>
-            <a:ext cx="9954880" cy="5745770"/>
+            <a:off x="2755280" y="2864584"/>
+            <a:ext cx="6769720" cy="3591794"/>
           </a:xfrm>
           <a:prstGeom prst="rect">
             <a:avLst/>
@@ -3746,7 +3790,7 @@
       </p:pic>
       <p:pic>
         <p:nvPicPr>
-          <p:cNvPr id="6" name="Picture 5"/>
+          <p:cNvPr id="2" name="Picture 1"/>
           <p:cNvPicPr>
             <a:picLocks noChangeAspect="1"/>
           </p:cNvPicPr>
@@ -3766,8 +3810,38 @@
         </p:blipFill>
         <p:spPr>
           <a:xfrm>
-            <a:off x="598593" y="4602480"/>
-            <a:ext cx="10831407" cy="1676400"/>
+            <a:off x="1809440" y="433504"/>
+            <a:ext cx="8661400" cy="2273300"/>
+          </a:xfrm>
+          <a:prstGeom prst="rect">
+            <a:avLst/>
+          </a:prstGeom>
+        </p:spPr>
+      </p:pic>
+      <p:pic>
+        <p:nvPicPr>
+          <p:cNvPr id="6" name="Picture 5"/>
+          <p:cNvPicPr>
+            <a:picLocks noChangeAspect="1"/>
+          </p:cNvPicPr>
+          <p:nvPr/>
+        </p:nvPicPr>
+        <p:blipFill>
+          <a:blip r:embed="rId5">
+            <a:extLst>
+              <a:ext uri="{28A0092B-C50C-407E-A947-70E740481C1C}">
+                <a14:useLocalDpi xmlns:a14="http://schemas.microsoft.com/office/drawing/2010/main" val="0"/>
+              </a:ext>
+            </a:extLst>
+          </a:blip>
+          <a:stretch>
+            <a:fillRect/>
+          </a:stretch>
+        </p:blipFill>
+        <p:spPr>
+          <a:xfrm>
+            <a:off x="1005840" y="4251960"/>
+            <a:ext cx="10500360" cy="2204418"/>
           </a:xfrm>
           <a:prstGeom prst="rect">
             <a:avLst/>
@@ -3777,13 +3851,20 @@
     </p:spTree>
     <p:extLst>
       <p:ext uri="{BB962C8B-B14F-4D97-AF65-F5344CB8AC3E}">
-        <p14:creationId xmlns:p14="http://schemas.microsoft.com/office/powerpoint/2010/main" val="837917791"/>
+        <p14:creationId xmlns:p14="http://schemas.microsoft.com/office/powerpoint/2010/main" val="409328710"/>
       </p:ext>
     </p:extLst>
   </p:cSld>
   <p:clrMapOvr>
     <a:masterClrMapping/>
   </p:clrMapOvr>
+  <p:timing>
+    <p:tnLst>
+      <p:par>
+        <p:cTn id="1" dur="indefinite" restart="never" nodeType="tmRoot"/>
+      </p:par>
+    </p:tnLst>
+  </p:timing>
 </p:sld>
 </file>
 
@@ -3856,8 +3937,68 @@
         </p:blipFill>
         <p:spPr>
           <a:xfrm>
-            <a:off x="1246520" y="533110"/>
-            <a:ext cx="9954880" cy="5745770"/>
+            <a:off x="2755280" y="2864584"/>
+            <a:ext cx="6769720" cy="3591794"/>
+          </a:xfrm>
+          <a:prstGeom prst="rect">
+            <a:avLst/>
+          </a:prstGeom>
+        </p:spPr>
+      </p:pic>
+      <p:pic>
+        <p:nvPicPr>
+          <p:cNvPr id="2" name="Picture 1"/>
+          <p:cNvPicPr>
+            <a:picLocks noChangeAspect="1"/>
+          </p:cNvPicPr>
+          <p:nvPr/>
+        </p:nvPicPr>
+        <p:blipFill>
+          <a:blip r:embed="rId4">
+            <a:extLst>
+              <a:ext uri="{28A0092B-C50C-407E-A947-70E740481C1C}">
+                <a14:useLocalDpi xmlns:a14="http://schemas.microsoft.com/office/drawing/2010/main" val="0"/>
+              </a:ext>
+            </a:extLst>
+          </a:blip>
+          <a:stretch>
+            <a:fillRect/>
+          </a:stretch>
+        </p:blipFill>
+        <p:spPr>
+          <a:xfrm>
+            <a:off x="1809440" y="433504"/>
+            <a:ext cx="8661400" cy="2273300"/>
+          </a:xfrm>
+          <a:prstGeom prst="rect">
+            <a:avLst/>
+          </a:prstGeom>
+        </p:spPr>
+      </p:pic>
+      <p:pic>
+        <p:nvPicPr>
+          <p:cNvPr id="6" name="Picture 5"/>
+          <p:cNvPicPr>
+            <a:picLocks noChangeAspect="1"/>
+          </p:cNvPicPr>
+          <p:nvPr/>
+        </p:nvPicPr>
+        <p:blipFill>
+          <a:blip r:embed="rId5">
+            <a:extLst>
+              <a:ext uri="{28A0092B-C50C-407E-A947-70E740481C1C}">
+                <a14:useLocalDpi xmlns:a14="http://schemas.microsoft.com/office/drawing/2010/main" val="0"/>
+              </a:ext>
+            </a:extLst>
+          </a:blip>
+          <a:stretch>
+            <a:fillRect/>
+          </a:stretch>
+        </p:blipFill>
+        <p:spPr>
+          <a:xfrm>
+            <a:off x="1005840" y="5318760"/>
+            <a:ext cx="10500360" cy="1137618"/>
           </a:xfrm>
           <a:prstGeom prst="rect">
             <a:avLst/>
@@ -3867,13 +4008,147 @@
     </p:spTree>
     <p:extLst>
       <p:ext uri="{BB962C8B-B14F-4D97-AF65-F5344CB8AC3E}">
-        <p14:creationId xmlns:p14="http://schemas.microsoft.com/office/powerpoint/2010/main" val="20659178"/>
+        <p14:creationId xmlns:p14="http://schemas.microsoft.com/office/powerpoint/2010/main" val="144036584"/>
       </p:ext>
     </p:extLst>
   </p:cSld>
   <p:clrMapOvr>
     <a:masterClrMapping/>
   </p:clrMapOvr>
+  <p:timing>
+    <p:tnLst>
+      <p:par>
+        <p:cTn id="1" dur="indefinite" restart="never" nodeType="tmRoot"/>
+      </p:par>
+    </p:tnLst>
+  </p:timing>
+</p:sld>
+</file>
+
+<file path=ppt/slides/slide7.xml><?xml version="1.0" encoding="utf-8"?>
+<p:sld xmlns:a="http://schemas.openxmlformats.org/drawingml/2006/main" xmlns:r="http://schemas.openxmlformats.org/officeDocument/2006/relationships" xmlns:p="http://schemas.openxmlformats.org/presentationml/2006/main">
+  <p:cSld>
+    <p:spTree>
+      <p:nvGrpSpPr>
+        <p:cNvPr id="1" name=""/>
+        <p:cNvGrpSpPr/>
+        <p:nvPr/>
+      </p:nvGrpSpPr>
+      <p:grpSpPr>
+        <a:xfrm>
+          <a:off x="0" y="0"/>
+          <a:ext cx="0" cy="0"/>
+          <a:chOff x="0" y="0"/>
+          <a:chExt cx="0" cy="0"/>
+        </a:xfrm>
+      </p:grpSpPr>
+      <p:pic>
+        <p:nvPicPr>
+          <p:cNvPr id="3" name="Picture 2"/>
+          <p:cNvPicPr>
+            <a:picLocks noChangeAspect="1"/>
+          </p:cNvPicPr>
+          <p:nvPr/>
+        </p:nvPicPr>
+        <p:blipFill>
+          <a:blip r:embed="rId2">
+            <a:extLst>
+              <a:ext uri="{28A0092B-C50C-407E-A947-70E740481C1C}">
+                <a14:useLocalDpi xmlns:a14="http://schemas.microsoft.com/office/drawing/2010/main" val="0"/>
+              </a:ext>
+            </a:extLst>
+          </a:blip>
+          <a:stretch>
+            <a:fillRect/>
+          </a:stretch>
+        </p:blipFill>
+        <p:spPr>
+          <a:xfrm>
+            <a:off x="598593" y="2453640"/>
+            <a:ext cx="6030807" cy="1064260"/>
+          </a:xfrm>
+          <a:prstGeom prst="rect">
+            <a:avLst/>
+          </a:prstGeom>
+        </p:spPr>
+      </p:pic>
+      <p:pic>
+        <p:nvPicPr>
+          <p:cNvPr id="4" name="Picture 3"/>
+          <p:cNvPicPr>
+            <a:picLocks noChangeAspect="1"/>
+          </p:cNvPicPr>
+          <p:nvPr/>
+        </p:nvPicPr>
+        <p:blipFill>
+          <a:blip r:embed="rId3">
+            <a:extLst>
+              <a:ext uri="{28A0092B-C50C-407E-A947-70E740481C1C}">
+                <a14:useLocalDpi xmlns:a14="http://schemas.microsoft.com/office/drawing/2010/main" val="0"/>
+              </a:ext>
+            </a:extLst>
+          </a:blip>
+          <a:stretch>
+            <a:fillRect/>
+          </a:stretch>
+        </p:blipFill>
+        <p:spPr>
+          <a:xfrm>
+            <a:off x="2755280" y="2864584"/>
+            <a:ext cx="6769720" cy="3591794"/>
+          </a:xfrm>
+          <a:prstGeom prst="rect">
+            <a:avLst/>
+          </a:prstGeom>
+        </p:spPr>
+      </p:pic>
+      <p:pic>
+        <p:nvPicPr>
+          <p:cNvPr id="2" name="Picture 1"/>
+          <p:cNvPicPr>
+            <a:picLocks noChangeAspect="1"/>
+          </p:cNvPicPr>
+          <p:nvPr/>
+        </p:nvPicPr>
+        <p:blipFill>
+          <a:blip r:embed="rId4">
+            <a:extLst>
+              <a:ext uri="{28A0092B-C50C-407E-A947-70E740481C1C}">
+                <a14:useLocalDpi xmlns:a14="http://schemas.microsoft.com/office/drawing/2010/main" val="0"/>
+              </a:ext>
+            </a:extLst>
+          </a:blip>
+          <a:stretch>
+            <a:fillRect/>
+          </a:stretch>
+        </p:blipFill>
+        <p:spPr>
+          <a:xfrm>
+            <a:off x="1809440" y="433504"/>
+            <a:ext cx="8661400" cy="2273300"/>
+          </a:xfrm>
+          <a:prstGeom prst="rect">
+            <a:avLst/>
+          </a:prstGeom>
+        </p:spPr>
+      </p:pic>
+    </p:spTree>
+    <p:extLst>
+      <p:ext uri="{BB962C8B-B14F-4D97-AF65-F5344CB8AC3E}">
+        <p14:creationId xmlns:p14="http://schemas.microsoft.com/office/powerpoint/2010/main" val="662988106"/>
+      </p:ext>
+    </p:extLst>
+  </p:cSld>
+  <p:clrMapOvr>
+    <a:masterClrMapping/>
+  </p:clrMapOvr>
+  <p:timing>
+    <p:tnLst>
+      <p:par>
+        <p:cTn id="1" dur="indefinite" restart="never" nodeType="tmRoot"/>
+      </p:par>
+    </p:tnLst>
+  </p:timing>
 </p:sld>
 </file>
 
